--- a/AGRG3b -  Global.pptx
+++ b/AGRG3b -  Global.pptx
@@ -4918,7 +4918,7 @@
         <p:spPr bwMode="auto">
           <a:xfrm flipH="0" flipV="0">
             <a:off x="3659193" y="4442255"/>
-            <a:ext cx="4887637" cy="488039"/>
+            <a:ext cx="4887636" cy="488039"/>
           </a:xfrm>
           <a:prstGeom prst="rect">
             <a:avLst/>
@@ -6619,7 +6619,7 @@
             <a:br>
               <a:rPr>
                 <a:solidFill>
-                  <a:srgbClr val="0070C0"/>
+                  <a:srgbClr val="00B0F0"/>
                 </a:solidFill>
                 <a:latin typeface="Ubuntu"/>
                 <a:ea typeface="Ubuntu"/>
@@ -6629,7 +6629,7 @@
             <a:r>
               <a:rPr>
                 <a:solidFill>
-                  <a:srgbClr val="0070C0"/>
+                  <a:srgbClr val="00B0F0"/>
                 </a:solidFill>
                 <a:latin typeface="Ubuntu"/>
                 <a:ea typeface="Ubuntu"/>
@@ -6640,7 +6640,7 @@
             <a:br>
               <a:rPr>
                 <a:solidFill>
-                  <a:srgbClr val="0070C0"/>
+                  <a:srgbClr val="00B0F0"/>
                 </a:solidFill>
                 <a:latin typeface="Ubuntu"/>
                 <a:ea typeface="Ubuntu"/>
@@ -6649,7 +6649,7 @@
             </a:br>
             <a:endParaRPr>
               <a:solidFill>
-                <a:srgbClr val="0070C0"/>
+                <a:srgbClr val="00B0F0"/>
               </a:solidFill>
               <a:latin typeface="Ubuntu"/>
               <a:cs typeface="Ubuntu"/>
@@ -8228,7 +8228,7 @@
         </p:nvSpPr>
         <p:spPr bwMode="auto">
           <a:xfrm flipH="0" flipV="0">
-            <a:off x="1975037" y="4866895"/>
+            <a:off x="1975037" y="4866894"/>
             <a:ext cx="1782604" cy="335639"/>
           </a:xfrm>
           <a:prstGeom prst="rect">
@@ -8414,7 +8414,7 @@
                 <a:ea typeface="Ubuntu"/>
                 <a:cs typeface="Ubuntu"/>
               </a:rPr>
-              <a:t>Ensemble des systèmes utilisés</a:t>
+              <a:t>Ensemble des systèmes</a:t>
             </a:r>
             <a:r>
               <a:rPr>
@@ -8425,28 +8425,7 @@
                 <a:ea typeface="Ubuntu"/>
                 <a:cs typeface="Ubuntu"/>
               </a:rPr>
-              <a:t>/étudiés</a:t>
-            </a:r>
-            <a:br>
-              <a:rPr>
-                <a:solidFill>
-                  <a:srgbClr val="00B0F0"/>
-                </a:solidFill>
-                <a:latin typeface="Ubuntu"/>
-                <a:ea typeface="Ubuntu"/>
-                <a:cs typeface="Ubuntu"/>
-              </a:rPr>
-            </a:br>
-            <a:r>
-              <a:rPr>
-                <a:solidFill>
-                  <a:srgbClr val="00B0F0"/>
-                </a:solidFill>
-                <a:latin typeface="Ubuntu"/>
-                <a:ea typeface="Ubuntu"/>
-                <a:cs typeface="Ubuntu"/>
-              </a:rPr>
-              <a:t>&amp; Environnement</a:t>
+              <a:t> &amp; Environnement</a:t>
             </a:r>
             <a:br>
               <a:rPr>
@@ -8962,7 +8941,7 @@
         </p:nvSpPr>
         <p:spPr bwMode="auto">
           <a:xfrm flipH="0" flipV="0">
-            <a:off x="1778652" y="2417884"/>
+            <a:off x="1778651" y="2417884"/>
             <a:ext cx="1758460" cy="1080720"/>
           </a:xfrm>
           <a:prstGeom prst="rect">
